--- a/VBA Lecture.pptx
+++ b/VBA Lecture.pptx
@@ -227,7 +227,7 @@
             <a:fld id="{84537177-716C-41E7-8497-E64B8AB96CBD}" type="datetimeFigureOut">
               <a:rPr lang="en-US" smtClean="0"/>
               <a:pPr/>
-              <a:t>11/9/2020</a:t>
+              <a:t>1/21/2022</a:t>
             </a:fld>
             <a:endParaRPr lang="en-US"/>
           </a:p>
@@ -1376,7 +1376,7 @@
             <a:fld id="{26CAB61A-87C1-46C3-A45D-C39018EFBF37}" type="datetimeFigureOut">
               <a:rPr lang="en-US" smtClean="0"/>
               <a:pPr/>
-              <a:t>11/9/2020</a:t>
+              <a:t>1/21/2022</a:t>
             </a:fld>
             <a:endParaRPr lang="en-US"/>
           </a:p>
@@ -1559,7 +1559,7 @@
             <a:fld id="{26CAB61A-87C1-46C3-A45D-C39018EFBF37}" type="datetimeFigureOut">
               <a:rPr lang="en-US" smtClean="0"/>
               <a:pPr/>
-              <a:t>11/9/2020</a:t>
+              <a:t>1/21/2022</a:t>
             </a:fld>
             <a:endParaRPr lang="en-US"/>
           </a:p>
@@ -1752,7 +1752,7 @@
             <a:fld id="{26CAB61A-87C1-46C3-A45D-C39018EFBF37}" type="datetimeFigureOut">
               <a:rPr lang="en-US" smtClean="0"/>
               <a:pPr/>
-              <a:t>11/9/2020</a:t>
+              <a:t>1/21/2022</a:t>
             </a:fld>
             <a:endParaRPr lang="en-US"/>
           </a:p>
@@ -1935,7 +1935,7 @@
             <a:fld id="{26CAB61A-87C1-46C3-A45D-C39018EFBF37}" type="datetimeFigureOut">
               <a:rPr lang="en-US" smtClean="0"/>
               <a:pPr/>
-              <a:t>11/9/2020</a:t>
+              <a:t>1/21/2022</a:t>
             </a:fld>
             <a:endParaRPr lang="en-US"/>
           </a:p>
@@ -2141,7 +2141,7 @@
             <a:fld id="{26CAB61A-87C1-46C3-A45D-C39018EFBF37}" type="datetimeFigureOut">
               <a:rPr lang="en-US" smtClean="0"/>
               <a:pPr/>
-              <a:t>11/9/2020</a:t>
+              <a:t>1/21/2022</a:t>
             </a:fld>
             <a:endParaRPr lang="en-US"/>
           </a:p>
@@ -2441,7 +2441,7 @@
             <a:fld id="{26CAB61A-87C1-46C3-A45D-C39018EFBF37}" type="datetimeFigureOut">
               <a:rPr lang="en-US" smtClean="0"/>
               <a:pPr/>
-              <a:t>11/9/2020</a:t>
+              <a:t>1/21/2022</a:t>
             </a:fld>
             <a:endParaRPr lang="en-US"/>
           </a:p>
@@ -2880,7 +2880,7 @@
             <a:fld id="{26CAB61A-87C1-46C3-A45D-C39018EFBF37}" type="datetimeFigureOut">
               <a:rPr lang="en-US" smtClean="0"/>
               <a:pPr/>
-              <a:t>11/9/2020</a:t>
+              <a:t>1/21/2022</a:t>
             </a:fld>
             <a:endParaRPr lang="en-US"/>
           </a:p>
@@ -3012,7 +3012,7 @@
             <a:fld id="{26CAB61A-87C1-46C3-A45D-C39018EFBF37}" type="datetimeFigureOut">
               <a:rPr lang="en-US" smtClean="0"/>
               <a:pPr/>
-              <a:t>11/9/2020</a:t>
+              <a:t>1/21/2022</a:t>
             </a:fld>
             <a:endParaRPr lang="en-US"/>
           </a:p>
@@ -3122,7 +3122,7 @@
             <a:fld id="{26CAB61A-87C1-46C3-A45D-C39018EFBF37}" type="datetimeFigureOut">
               <a:rPr lang="en-US" smtClean="0"/>
               <a:pPr/>
-              <a:t>11/9/2020</a:t>
+              <a:t>1/21/2022</a:t>
             </a:fld>
             <a:endParaRPr lang="en-US"/>
           </a:p>
@@ -3412,7 +3412,7 @@
             <a:fld id="{26CAB61A-87C1-46C3-A45D-C39018EFBF37}" type="datetimeFigureOut">
               <a:rPr lang="en-US" smtClean="0"/>
               <a:pPr/>
-              <a:t>11/9/2020</a:t>
+              <a:t>1/21/2022</a:t>
             </a:fld>
             <a:endParaRPr lang="en-US"/>
           </a:p>
@@ -3680,7 +3680,7 @@
             <a:fld id="{26CAB61A-87C1-46C3-A45D-C39018EFBF37}" type="datetimeFigureOut">
               <a:rPr lang="en-US" smtClean="0"/>
               <a:pPr/>
-              <a:t>11/9/2020</a:t>
+              <a:t>1/21/2022</a:t>
             </a:fld>
             <a:endParaRPr lang="en-US"/>
           </a:p>
@@ -3930,7 +3930,7 @@
             <a:fld id="{26CAB61A-87C1-46C3-A45D-C39018EFBF37}" type="datetimeFigureOut">
               <a:rPr lang="en-US" smtClean="0"/>
               <a:pPr/>
-              <a:t>11/9/2020</a:t>
+              <a:t>1/21/2022</a:t>
             </a:fld>
             <a:endParaRPr lang="en-US"/>
           </a:p>
@@ -4829,14 +4829,7 @@
             <a:pPr lvl="1"/>
             <a:r>
               <a:rPr lang="en-US" dirty="0"/>
-              <a:t>If you want unlimited text messages, it’s 30,</a:t>
-            </a:r>
-            <a:br>
-              <a:rPr lang="en-US" dirty="0"/>
-            </a:br>
-            <a:r>
-              <a:rPr lang="en-US" dirty="0"/>
-              <a:t>else, it’s 0.</a:t>
+              <a:t>If you want a smart phone, it’s $1,000, else, a non-smartphone is $100.</a:t>
             </a:r>
           </a:p>
           <a:p>
@@ -5287,14 +5280,14 @@
             <a:pPr lvl="1"/>
             <a:r>
               <a:rPr lang="en-US" sz="2000" dirty="0"/>
-              <a:t>If you want unlimited messages, it’s 30,</a:t>
+              <a:t>If you want unlimited data, it’s 30,</a:t>
             </a:r>
             <a:br>
               <a:rPr lang="en-US" sz="2000" dirty="0"/>
             </a:br>
             <a:r>
               <a:rPr lang="en-US" sz="2000" dirty="0"/>
-              <a:t>else if you want 1000 text messages, its 20, else, it’s 0.</a:t>
+              <a:t>else if you want four gigs, its 20, else, it’s 0.</a:t>
             </a:r>
           </a:p>
         </p:txBody>
@@ -5528,8 +5521,29 @@
             <a:pPr lvl="1"/>
             <a:r>
               <a:rPr lang="en-US" dirty="0"/>
-              <a:t>For each phone you buy, you get $10 dollars off.  </a:t>
-            </a:r>
+              <a:t>For 1-2 phones, there is no discount.  For 3-4 phones, there is a 10% discount on the 3</a:t>
+            </a:r>
+            <a:r>
+              <a:rPr lang="en-US" baseline="30000" dirty="0"/>
+              <a:t>rd</a:t>
+            </a:r>
+            <a:r>
+              <a:rPr lang="en-US" dirty="0"/>
+              <a:t> and 4</a:t>
+            </a:r>
+            <a:r>
+              <a:rPr lang="en-US" baseline="30000" dirty="0"/>
+              <a:t>th</a:t>
+            </a:r>
+            <a:r>
+              <a:rPr lang="en-US" dirty="0"/>
+              <a:t> phone.  If you buy 5 or more, there’s a 15% discount on </a:t>
+            </a:r>
+            <a:r>
+              <a:rPr lang="en-US"/>
+              <a:t>the phones 5 and above.  </a:t>
+            </a:r>
+            <a:endParaRPr lang="en-US" dirty="0"/>
           </a:p>
         </p:txBody>
       </p:sp>
@@ -5595,10 +5609,6 @@
             <a:br>
               <a:rPr lang="en-US" sz="5000" dirty="0"/>
             </a:br>
-            <a:r>
-              <a:rPr lang="en-US" sz="5000" dirty="0"/>
-              <a:t/>
-            </a:r>
             <a:br>
               <a:rPr lang="en-US" sz="5000" dirty="0"/>
             </a:br>
@@ -5608,20 +5618,12 @@
             <a:pPr algn="ctr">
               <a:buNone/>
             </a:pPr>
-            <a:r>
-              <a:rPr lang="en-US" sz="5000" dirty="0"/>
-              <a:t/>
-            </a:r>
             <a:br>
               <a:rPr lang="en-US" sz="5000" dirty="0"/>
             </a:br>
             <a:r>
               <a:rPr lang="en-US" sz="2000" dirty="0"/>
               <a:t>Thanh Nguyen </a:t>
-            </a:r>
-            <a:r>
-              <a:rPr lang="en-US" sz="2000"/>
-              <a:t/>
             </a:r>
             <a:br>
               <a:rPr lang="en-US" sz="2000"/>

--- a/VBA Lecture.pptx
+++ b/VBA Lecture.pptx
@@ -227,7 +227,7 @@
             <a:fld id="{84537177-716C-41E7-8497-E64B8AB96CBD}" type="datetimeFigureOut">
               <a:rPr lang="en-US" smtClean="0"/>
               <a:pPr/>
-              <a:t>1/21/2022</a:t>
+              <a:t>10/24/2022</a:t>
             </a:fld>
             <a:endParaRPr lang="en-US"/>
           </a:p>
@@ -1376,7 +1376,7 @@
             <a:fld id="{26CAB61A-87C1-46C3-A45D-C39018EFBF37}" type="datetimeFigureOut">
               <a:rPr lang="en-US" smtClean="0"/>
               <a:pPr/>
-              <a:t>1/21/2022</a:t>
+              <a:t>10/24/2022</a:t>
             </a:fld>
             <a:endParaRPr lang="en-US"/>
           </a:p>
@@ -1559,7 +1559,7 @@
             <a:fld id="{26CAB61A-87C1-46C3-A45D-C39018EFBF37}" type="datetimeFigureOut">
               <a:rPr lang="en-US" smtClean="0"/>
               <a:pPr/>
-              <a:t>1/21/2022</a:t>
+              <a:t>10/24/2022</a:t>
             </a:fld>
             <a:endParaRPr lang="en-US"/>
           </a:p>
@@ -1752,7 +1752,7 @@
             <a:fld id="{26CAB61A-87C1-46C3-A45D-C39018EFBF37}" type="datetimeFigureOut">
               <a:rPr lang="en-US" smtClean="0"/>
               <a:pPr/>
-              <a:t>1/21/2022</a:t>
+              <a:t>10/24/2022</a:t>
             </a:fld>
             <a:endParaRPr lang="en-US"/>
           </a:p>
@@ -1935,7 +1935,7 @@
             <a:fld id="{26CAB61A-87C1-46C3-A45D-C39018EFBF37}" type="datetimeFigureOut">
               <a:rPr lang="en-US" smtClean="0"/>
               <a:pPr/>
-              <a:t>1/21/2022</a:t>
+              <a:t>10/24/2022</a:t>
             </a:fld>
             <a:endParaRPr lang="en-US"/>
           </a:p>
@@ -2141,7 +2141,7 @@
             <a:fld id="{26CAB61A-87C1-46C3-A45D-C39018EFBF37}" type="datetimeFigureOut">
               <a:rPr lang="en-US" smtClean="0"/>
               <a:pPr/>
-              <a:t>1/21/2022</a:t>
+              <a:t>10/24/2022</a:t>
             </a:fld>
             <a:endParaRPr lang="en-US"/>
           </a:p>
@@ -2441,7 +2441,7 @@
             <a:fld id="{26CAB61A-87C1-46C3-A45D-C39018EFBF37}" type="datetimeFigureOut">
               <a:rPr lang="en-US" smtClean="0"/>
               <a:pPr/>
-              <a:t>1/21/2022</a:t>
+              <a:t>10/24/2022</a:t>
             </a:fld>
             <a:endParaRPr lang="en-US"/>
           </a:p>
@@ -2880,7 +2880,7 @@
             <a:fld id="{26CAB61A-87C1-46C3-A45D-C39018EFBF37}" type="datetimeFigureOut">
               <a:rPr lang="en-US" smtClean="0"/>
               <a:pPr/>
-              <a:t>1/21/2022</a:t>
+              <a:t>10/24/2022</a:t>
             </a:fld>
             <a:endParaRPr lang="en-US"/>
           </a:p>
@@ -3012,7 +3012,7 @@
             <a:fld id="{26CAB61A-87C1-46C3-A45D-C39018EFBF37}" type="datetimeFigureOut">
               <a:rPr lang="en-US" smtClean="0"/>
               <a:pPr/>
-              <a:t>1/21/2022</a:t>
+              <a:t>10/24/2022</a:t>
             </a:fld>
             <a:endParaRPr lang="en-US"/>
           </a:p>
@@ -3122,7 +3122,7 @@
             <a:fld id="{26CAB61A-87C1-46C3-A45D-C39018EFBF37}" type="datetimeFigureOut">
               <a:rPr lang="en-US" smtClean="0"/>
               <a:pPr/>
-              <a:t>1/21/2022</a:t>
+              <a:t>10/24/2022</a:t>
             </a:fld>
             <a:endParaRPr lang="en-US"/>
           </a:p>
@@ -3412,7 +3412,7 @@
             <a:fld id="{26CAB61A-87C1-46C3-A45D-C39018EFBF37}" type="datetimeFigureOut">
               <a:rPr lang="en-US" smtClean="0"/>
               <a:pPr/>
-              <a:t>1/21/2022</a:t>
+              <a:t>10/24/2022</a:t>
             </a:fld>
             <a:endParaRPr lang="en-US"/>
           </a:p>
@@ -3680,7 +3680,7 @@
             <a:fld id="{26CAB61A-87C1-46C3-A45D-C39018EFBF37}" type="datetimeFigureOut">
               <a:rPr lang="en-US" smtClean="0"/>
               <a:pPr/>
-              <a:t>1/21/2022</a:t>
+              <a:t>10/24/2022</a:t>
             </a:fld>
             <a:endParaRPr lang="en-US"/>
           </a:p>
@@ -3930,7 +3930,7 @@
             <a:fld id="{26CAB61A-87C1-46C3-A45D-C39018EFBF37}" type="datetimeFigureOut">
               <a:rPr lang="en-US" smtClean="0"/>
               <a:pPr/>
-              <a:t>1/21/2022</a:t>
+              <a:t>10/24/2022</a:t>
             </a:fld>
             <a:endParaRPr lang="en-US"/>
           </a:p>
@@ -4829,7 +4829,7 @@
             <a:pPr lvl="1"/>
             <a:r>
               <a:rPr lang="en-US" dirty="0"/>
-              <a:t>If you want a smart phone, it’s $1,000, else, a non-smartphone is $100.</a:t>
+              <a:t>If you want a smart phone, it’s $60, else, a non-smartphone is $20.</a:t>
             </a:r>
           </a:p>
           <a:p>
@@ -5280,14 +5280,14 @@
             <a:pPr lvl="1"/>
             <a:r>
               <a:rPr lang="en-US" sz="2000" dirty="0"/>
-              <a:t>If you want unlimited data, it’s 30,</a:t>
+              <a:t>If you want unlimited text messages, it’s $30,</a:t>
             </a:r>
             <a:br>
               <a:rPr lang="en-US" sz="2000" dirty="0"/>
             </a:br>
             <a:r>
               <a:rPr lang="en-US" sz="2000" dirty="0"/>
-              <a:t>else if you want four gigs, its 20, else, it’s 0.</a:t>
+              <a:t>else if you want 1000 text messages, its $20, else, it’s $0.</a:t>
             </a:r>
           </a:p>
         </p:txBody>
@@ -5401,15 +5401,18 @@
           </a:p>
           <a:p>
             <a:r>
+              <a:rPr lang="en-US" sz="2500"/>
+              <a:t>If </a:t>
+            </a:r>
+            <a:r>
               <a:rPr lang="en-US" sz="2500" dirty="0"/>
-              <a:t>If you want a data plan and  unlimited text, it’s $50</a:t>
-            </a:r>
-            <a:br>
+              <a:t>you want a data package or unlimited text, it’s $30. </a:t>
+            </a:r>
+          </a:p>
+          <a:p>
+            <a:r>
               <a:rPr lang="en-US" sz="2500" dirty="0"/>
-            </a:br>
-            <a:r>
-              <a:rPr lang="en-US" sz="2500" dirty="0"/>
-              <a:t>If you want a data plan or unlimited text, it’s 30. </a:t>
+              <a:t>If you want a data package and unlimited text, it’s $50.</a:t>
             </a:r>
           </a:p>
         </p:txBody>
